--- a/提取数据说明.pptx
+++ b/提取数据说明.pptx
@@ -6,10 +6,10 @@
     <p:sldMasterId id="2147483738" r:id="rId2"/>
   </p:sldMasterIdLst>
   <p:notesMasterIdLst>
-    <p:notesMasterId r:id="rId17"/>
+    <p:notesMasterId r:id="rId16"/>
   </p:notesMasterIdLst>
   <p:handoutMasterIdLst>
-    <p:handoutMasterId r:id="rId18"/>
+    <p:handoutMasterId r:id="rId17"/>
   </p:handoutMasterIdLst>
   <p:sldIdLst>
     <p:sldId id="536" r:id="rId3"/>
@@ -24,8 +24,7 @@
     <p:sldId id="535" r:id="rId12"/>
     <p:sldId id="537" r:id="rId13"/>
     <p:sldId id="539" r:id="rId14"/>
-    <p:sldId id="538" r:id="rId15"/>
-    <p:sldId id="524" r:id="rId16"/>
+    <p:sldId id="524" r:id="rId15"/>
   </p:sldIdLst>
   <p:sldSz cx="12192000" cy="6858000"/>
   <p:notesSz cx="9926638" cy="6669088"/>
@@ -1051,7 +1050,7 @@
             </a:pPr>
             <a:fld id="{1B4CDDD5-B26E-4763-9121-C3B3AB8CEF8E}" type="slidenum">
               <a:rPr lang="en-US" altLang="zh-CN" sz="1800" smtClean="0"/>
-              <a:t>14</a:t>
+              <a:t>13</a:t>
             </a:fld>
             <a:endParaRPr lang="en-US" altLang="zh-CN" sz="1800"/>
           </a:p>
@@ -3059,10 +3058,10 @@
           <p:nvPr userDrawn="1"/>
         </p:nvPicPr>
         <p:blipFill>
-          <a:blip r:embed="rId4" cstate="print">
+          <a:blip r:embed="rId4" cstate="screen">
             <a:extLst>
               <a:ext uri="{28A0092B-C50C-407E-A947-70E740481C1C}">
-                <a14:useLocalDpi xmlns:a14="http://schemas.microsoft.com/office/drawing/2010/main" val="0"/>
+                <a14:useLocalDpi xmlns:a14="http://schemas.microsoft.com/office/drawing/2010/main"/>
               </a:ext>
             </a:extLst>
           </a:blip>
@@ -3089,7 +3088,13 @@
           <p:nvPr userDrawn="1"/>
         </p:nvPicPr>
         <p:blipFill>
-          <a:blip r:embed="rId5"/>
+          <a:blip r:embed="rId5" cstate="screen">
+            <a:extLst>
+              <a:ext uri="{28A0092B-C50C-407E-A947-70E740481C1C}">
+                <a14:useLocalDpi xmlns:a14="http://schemas.microsoft.com/office/drawing/2010/main"/>
+              </a:ext>
+            </a:extLst>
+          </a:blip>
           <a:stretch>
             <a:fillRect/>
           </a:stretch>
@@ -3904,10 +3909,10 @@
           <p:nvPr userDrawn="1"/>
         </p:nvPicPr>
         <p:blipFill>
-          <a:blip r:embed="rId13" cstate="print">
+          <a:blip r:embed="rId13" cstate="screen">
             <a:extLst>
               <a:ext uri="{28A0092B-C50C-407E-A947-70E740481C1C}">
-                <a14:useLocalDpi xmlns:a14="http://schemas.microsoft.com/office/drawing/2010/main" val="0"/>
+                <a14:useLocalDpi xmlns:a14="http://schemas.microsoft.com/office/drawing/2010/main"/>
               </a:ext>
             </a:extLst>
           </a:blip>
@@ -4959,6 +4964,31 @@
             </a:r>
             <a:endParaRPr lang="en-US" altLang="zh-CN" sz="2400" dirty="0"/>
           </a:p>
+          <a:p>
+            <a:pPr marL="0" indent="0">
+              <a:lnSpc>
+                <a:spcPct val="100000"/>
+              </a:lnSpc>
+              <a:buNone/>
+            </a:pPr>
+            <a:r>
+              <a:rPr lang="en-US" altLang="zh-CN" sz="2400" dirty="0"/>
+              <a:t>extract_tdms.bat</a:t>
+            </a:r>
+            <a:r>
+              <a:rPr lang="zh-CN" altLang="en-US" sz="2400" dirty="0"/>
+              <a:t>和</a:t>
+            </a:r>
+            <a:r>
+              <a:rPr lang="en-US" altLang="zh-CN" sz="2400" dirty="0" err="1"/>
+              <a:t>tdms.json</a:t>
+            </a:r>
+            <a:r>
+              <a:rPr lang="zh-CN" altLang="en-US" sz="2400"/>
+              <a:t>也是测试文件，用于复制并快速修改</a:t>
+            </a:r>
+            <a:endParaRPr lang="en-US" altLang="zh-CN" sz="2400" dirty="0"/>
+          </a:p>
         </p:txBody>
       </p:sp>
       <p:sp>
@@ -5156,14 +5186,14 @@
           <p:nvPr/>
         </p:nvPicPr>
         <p:blipFill rotWithShape="1">
-          <a:blip r:embed="rId2">
+          <a:blip r:embed="rId2" cstate="screen">
             <a:extLst>
               <a:ext uri="{28A0092B-C50C-407E-A947-70E740481C1C}">
-                <a14:useLocalDpi xmlns:a14="http://schemas.microsoft.com/office/drawing/2010/main" val="0"/>
+                <a14:useLocalDpi xmlns:a14="http://schemas.microsoft.com/office/drawing/2010/main"/>
               </a:ext>
             </a:extLst>
           </a:blip>
-          <a:srcRect l="9284" t="11964" r="37215" b="43451"/>
+          <a:srcRect/>
           <a:stretch/>
         </p:blipFill>
         <p:spPr>
@@ -5190,400 +5220,6 @@
 </file>
 
 <file path=ppt/slides/slide13.xml><?xml version="1.0" encoding="utf-8"?>
-<p:sld xmlns:a="http://schemas.openxmlformats.org/drawingml/2006/main" xmlns:r="http://schemas.openxmlformats.org/officeDocument/2006/relationships" xmlns:p="http://schemas.openxmlformats.org/presentationml/2006/main">
-  <p:cSld>
-    <p:spTree>
-      <p:nvGrpSpPr>
-        <p:cNvPr id="1" name=""/>
-        <p:cNvGrpSpPr/>
-        <p:nvPr/>
-      </p:nvGrpSpPr>
-      <p:grpSpPr>
-        <a:xfrm>
-          <a:off x="0" y="0"/>
-          <a:ext cx="0" cy="0"/>
-          <a:chOff x="0" y="0"/>
-          <a:chExt cx="0" cy="0"/>
-        </a:xfrm>
-      </p:grpSpPr>
-      <p:sp>
-        <p:nvSpPr>
-          <p:cNvPr id="2" name="标题 1">
-            <a:extLst>
-              <a:ext uri="{FF2B5EF4-FFF2-40B4-BE49-F238E27FC236}">
-                <a16:creationId xmlns:a16="http://schemas.microsoft.com/office/drawing/2014/main" id="{457758BF-EF4A-4940-A5CF-5D0E77CACFC9}"/>
-              </a:ext>
-            </a:extLst>
-          </p:cNvPr>
-          <p:cNvSpPr>
-            <a:spLocks noGrp="1"/>
-          </p:cNvSpPr>
-          <p:nvPr>
-            <p:ph type="title"/>
-          </p:nvPr>
-        </p:nvSpPr>
-        <p:spPr>
-          <a:xfrm>
-            <a:off x="263352" y="101922"/>
-            <a:ext cx="6048672" cy="543449"/>
-          </a:xfrm>
-        </p:spPr>
-        <p:txBody>
-          <a:bodyPr>
-            <a:normAutofit/>
-          </a:bodyPr>
-          <a:lstStyle/>
-          <a:p>
-            <a:r>
-              <a:rPr lang="en-US" altLang="zh-CN" dirty="0"/>
-              <a:t>OP510</a:t>
-            </a:r>
-            <a:r>
-              <a:rPr lang="zh-CN" altLang="en-US" dirty="0"/>
-              <a:t>静态不合格</a:t>
-            </a:r>
-            <a:r>
-              <a:rPr lang="en-US" altLang="zh-CN" dirty="0"/>
-              <a:t>PDF</a:t>
-            </a:r>
-            <a:r>
-              <a:rPr lang="zh-CN" altLang="en-US" dirty="0"/>
-              <a:t>配置文件说明</a:t>
-            </a:r>
-          </a:p>
-        </p:txBody>
-      </p:sp>
-      <p:sp>
-        <p:nvSpPr>
-          <p:cNvPr id="3" name="灯片编号占位符 2">
-            <a:extLst>
-              <a:ext uri="{FF2B5EF4-FFF2-40B4-BE49-F238E27FC236}">
-                <a16:creationId xmlns:a16="http://schemas.microsoft.com/office/drawing/2014/main" id="{C2A72372-0611-4584-A3B8-07F7E71E6646}"/>
-              </a:ext>
-            </a:extLst>
-          </p:cNvPr>
-          <p:cNvSpPr>
-            <a:spLocks noGrp="1"/>
-          </p:cNvSpPr>
-          <p:nvPr>
-            <p:ph type="sldNum" sz="quarter" idx="12"/>
-          </p:nvPr>
-        </p:nvSpPr>
-        <p:spPr/>
-        <p:txBody>
-          <a:bodyPr/>
-          <a:lstStyle/>
-          <a:p>
-            <a:fld id="{48F63A3B-78C7-47BE-AE5E-E10140E04643}" type="slidenum">
-              <a:rPr lang="en-US" smtClean="0"/>
-              <a:t>13</a:t>
-            </a:fld>
-            <a:endParaRPr lang="en-US" dirty="0"/>
-          </a:p>
-        </p:txBody>
-      </p:sp>
-      <p:sp>
-        <p:nvSpPr>
-          <p:cNvPr id="4" name="文本框 3">
-            <a:extLst>
-              <a:ext uri="{FF2B5EF4-FFF2-40B4-BE49-F238E27FC236}">
-                <a16:creationId xmlns:a16="http://schemas.microsoft.com/office/drawing/2014/main" id="{4240D315-4F83-4E8A-97C1-EB955A6BF876}"/>
-              </a:ext>
-            </a:extLst>
-          </p:cNvPr>
-          <p:cNvSpPr txBox="1"/>
-          <p:nvPr/>
-        </p:nvSpPr>
-        <p:spPr>
-          <a:xfrm>
-            <a:off x="242911" y="883392"/>
-            <a:ext cx="3881191" cy="3416320"/>
-          </a:xfrm>
-          <a:prstGeom prst="rect">
-            <a:avLst/>
-          </a:prstGeom>
-          <a:noFill/>
-        </p:spPr>
-        <p:txBody>
-          <a:bodyPr wrap="none" rtlCol="0">
-            <a:spAutoFit/>
-          </a:bodyPr>
-          <a:lstStyle/>
-          <a:p>
-            <a:r>
-              <a:rPr lang="en-US" altLang="zh-CN" sz="2400" dirty="0">
-                <a:solidFill>
-                  <a:srgbClr val="FF0000"/>
-                </a:solidFill>
-              </a:rPr>
-              <a:t>{</a:t>
-            </a:r>
-          </a:p>
-          <a:p>
-            <a:r>
-              <a:rPr lang="en-US" altLang="zh-CN" sz="2400" dirty="0">
-                <a:solidFill>
-                  <a:srgbClr val="FF0000"/>
-                </a:solidFill>
-              </a:rPr>
-              <a:t>    "</a:t>
-            </a:r>
-            <a:r>
-              <a:rPr lang="en-US" altLang="zh-CN" sz="2400" dirty="0" err="1">
-                <a:solidFill>
-                  <a:srgbClr val="FF0000"/>
-                </a:solidFill>
-              </a:rPr>
-              <a:t>src</a:t>
-            </a:r>
-            <a:r>
-              <a:rPr lang="en-US" altLang="zh-CN" sz="2400" dirty="0">
-                <a:solidFill>
-                  <a:srgbClr val="FF0000"/>
-                </a:solidFill>
-              </a:rPr>
-              <a:t>": "D:/Results/St510",</a:t>
-            </a:r>
-          </a:p>
-          <a:p>
-            <a:r>
-              <a:rPr lang="en-US" altLang="zh-CN" sz="2400" dirty="0">
-                <a:solidFill>
-                  <a:srgbClr val="FF0000"/>
-                </a:solidFill>
-              </a:rPr>
-              <a:t>    "</a:t>
-            </a:r>
-            <a:r>
-              <a:rPr lang="en-US" altLang="zh-CN" sz="2400" dirty="0" err="1">
-                <a:solidFill>
-                  <a:srgbClr val="FF0000"/>
-                </a:solidFill>
-              </a:rPr>
-              <a:t>dst</a:t>
-            </a:r>
-            <a:r>
-              <a:rPr lang="en-US" altLang="zh-CN" sz="2400" dirty="0">
-                <a:solidFill>
-                  <a:srgbClr val="FF0000"/>
-                </a:solidFill>
-              </a:rPr>
-              <a:t>": "G:/OP510A.tar",</a:t>
-            </a:r>
-          </a:p>
-          <a:p>
-            <a:r>
-              <a:rPr lang="en-US" altLang="zh-CN" sz="2400" dirty="0">
-                <a:solidFill>
-                  <a:srgbClr val="FF0000"/>
-                </a:solidFill>
-              </a:rPr>
-              <a:t>    "</a:t>
-            </a:r>
-            <a:r>
-              <a:rPr lang="en-US" altLang="zh-CN" sz="2400" dirty="0" err="1">
-                <a:solidFill>
-                  <a:srgbClr val="FF0000"/>
-                </a:solidFill>
-              </a:rPr>
-              <a:t>exts</a:t>
-            </a:r>
-            <a:r>
-              <a:rPr lang="en-US" altLang="zh-CN" sz="2400" dirty="0">
-                <a:solidFill>
-                  <a:srgbClr val="FF0000"/>
-                </a:solidFill>
-              </a:rPr>
-              <a:t>":[".pdf"],</a:t>
-            </a:r>
-          </a:p>
-          <a:p>
-            <a:r>
-              <a:rPr lang="en-US" altLang="zh-CN" sz="2400" dirty="0">
-                <a:solidFill>
-                  <a:srgbClr val="FF0000"/>
-                </a:solidFill>
-              </a:rPr>
-              <a:t>    "</a:t>
-            </a:r>
-            <a:r>
-              <a:rPr lang="en-US" altLang="zh-CN" sz="2400" dirty="0" err="1">
-                <a:solidFill>
-                  <a:srgbClr val="FF0000"/>
-                </a:solidFill>
-              </a:rPr>
-              <a:t>valid_names</a:t>
-            </a:r>
-            <a:r>
-              <a:rPr lang="en-US" altLang="zh-CN" sz="2400" dirty="0">
-                <a:solidFill>
-                  <a:srgbClr val="FF0000"/>
-                </a:solidFill>
-              </a:rPr>
-              <a:t>": [</a:t>
-            </a:r>
-          </a:p>
-          <a:p>
-            <a:r>
-              <a:rPr lang="en-US" altLang="zh-CN" sz="2400" dirty="0">
-                <a:solidFill>
-                  <a:srgbClr val="FF0000"/>
-                </a:solidFill>
-              </a:rPr>
-              <a:t>        "KY040120082410388",</a:t>
-            </a:r>
-          </a:p>
-          <a:p>
-            <a:r>
-              <a:rPr lang="en-US" altLang="zh-CN" sz="2400" dirty="0">
-                <a:solidFill>
-                  <a:srgbClr val="FF0000"/>
-                </a:solidFill>
-              </a:rPr>
-              <a:t>        "KY040120082410389"</a:t>
-            </a:r>
-          </a:p>
-          <a:p>
-            <a:r>
-              <a:rPr lang="en-US" altLang="zh-CN" sz="2400" dirty="0">
-                <a:solidFill>
-                  <a:srgbClr val="FF0000"/>
-                </a:solidFill>
-              </a:rPr>
-              <a:t>    ]</a:t>
-            </a:r>
-          </a:p>
-          <a:p>
-            <a:r>
-              <a:rPr lang="en-US" altLang="zh-CN" sz="2400" dirty="0">
-                <a:solidFill>
-                  <a:srgbClr val="FF0000"/>
-                </a:solidFill>
-              </a:rPr>
-              <a:t>}</a:t>
-            </a:r>
-            <a:endParaRPr lang="zh-CN" altLang="en-US" sz="2400" dirty="0">
-              <a:solidFill>
-                <a:srgbClr val="FF0000"/>
-              </a:solidFill>
-            </a:endParaRPr>
-          </a:p>
-        </p:txBody>
-      </p:sp>
-      <p:sp>
-        <p:nvSpPr>
-          <p:cNvPr id="5" name="文本框 4">
-            <a:extLst>
-              <a:ext uri="{FF2B5EF4-FFF2-40B4-BE49-F238E27FC236}">
-                <a16:creationId xmlns:a16="http://schemas.microsoft.com/office/drawing/2014/main" id="{3ED2CFFE-2A4E-49E0-961E-31E2057DDF82}"/>
-              </a:ext>
-            </a:extLst>
-          </p:cNvPr>
-          <p:cNvSpPr txBox="1"/>
-          <p:nvPr/>
-        </p:nvSpPr>
-        <p:spPr>
-          <a:xfrm>
-            <a:off x="4223792" y="883392"/>
-            <a:ext cx="7416824" cy="1631216"/>
-          </a:xfrm>
-          <a:prstGeom prst="rect">
-            <a:avLst/>
-          </a:prstGeom>
-          <a:noFill/>
-        </p:spPr>
-        <p:txBody>
-          <a:bodyPr wrap="square" rtlCol="0">
-            <a:spAutoFit/>
-          </a:bodyPr>
-          <a:lstStyle/>
-          <a:p>
-            <a:r>
-              <a:rPr lang="en-US" altLang="zh-CN" sz="2000" dirty="0" err="1">
-                <a:solidFill>
-                  <a:schemeClr val="tx1"/>
-                </a:solidFill>
-              </a:rPr>
-              <a:t>Valid_names</a:t>
-            </a:r>
-            <a:r>
-              <a:rPr lang="zh-CN" altLang="en-US" sz="2000" dirty="0">
-                <a:solidFill>
-                  <a:schemeClr val="tx1"/>
-                </a:solidFill>
-              </a:rPr>
-              <a:t>是需要寻找的文件的名称，是一个列表，只要文件名包含列表里的字符串，就会被复制</a:t>
-            </a:r>
-            <a:endParaRPr lang="en-US" altLang="zh-CN" sz="2000" dirty="0">
-              <a:solidFill>
-                <a:schemeClr val="tx1"/>
-              </a:solidFill>
-            </a:endParaRPr>
-          </a:p>
-          <a:p>
-            <a:r>
-              <a:rPr lang="zh-CN" altLang="en-US" sz="2000" dirty="0">
-                <a:solidFill>
-                  <a:schemeClr val="tx1"/>
-                </a:solidFill>
-              </a:rPr>
-              <a:t>例如：</a:t>
-            </a:r>
-            <a:r>
-              <a:rPr lang="en-US" altLang="zh-CN" sz="2000" dirty="0">
-                <a:solidFill>
-                  <a:schemeClr val="tx1"/>
-                </a:solidFill>
-              </a:rPr>
-              <a:t>KY040120082410388(St510)F_2020-09-09T09-34-33.pdf</a:t>
-            </a:r>
-          </a:p>
-          <a:p>
-            <a:r>
-              <a:rPr lang="zh-CN" altLang="en-US" sz="2000" dirty="0">
-                <a:solidFill>
-                  <a:schemeClr val="tx1"/>
-                </a:solidFill>
-              </a:rPr>
-              <a:t>会被复制</a:t>
-            </a:r>
-            <a:endParaRPr lang="en-US" altLang="zh-CN" sz="2000" dirty="0">
-              <a:solidFill>
-                <a:schemeClr val="tx1"/>
-              </a:solidFill>
-            </a:endParaRPr>
-          </a:p>
-          <a:p>
-            <a:r>
-              <a:rPr lang="zh-CN" altLang="en-US" sz="2000" dirty="0">
-                <a:solidFill>
-                  <a:schemeClr val="tx1"/>
-                </a:solidFill>
-              </a:rPr>
-              <a:t>其他工位有类似需求则同理</a:t>
-            </a:r>
-            <a:endParaRPr lang="en-US" altLang="zh-CN" sz="2000" dirty="0">
-              <a:solidFill>
-                <a:schemeClr val="tx1"/>
-              </a:solidFill>
-            </a:endParaRPr>
-          </a:p>
-        </p:txBody>
-      </p:sp>
-    </p:spTree>
-    <p:extLst>
-      <p:ext uri="{BB962C8B-B14F-4D97-AF65-F5344CB8AC3E}">
-        <p14:creationId xmlns:p14="http://schemas.microsoft.com/office/powerpoint/2010/main" val="2263778090"/>
-      </p:ext>
-    </p:extLst>
-  </p:cSld>
-  <p:clrMapOvr>
-    <a:masterClrMapping/>
-  </p:clrMapOvr>
-</p:sld>
-</file>
-
-<file path=ppt/slides/slide14.xml><?xml version="1.0" encoding="utf-8"?>
 <p:sld xmlns:a="http://schemas.openxmlformats.org/drawingml/2006/main" xmlns:r="http://schemas.openxmlformats.org/officeDocument/2006/relationships" xmlns:p="http://schemas.openxmlformats.org/presentationml/2006/main">
   <p:cSld>
     <p:spTree>
@@ -6816,7 +6452,7 @@
           <a:blip r:embed="rId2">
             <a:extLst>
               <a:ext uri="{28A0092B-C50C-407E-A947-70E740481C1C}">
-                <a14:useLocalDpi xmlns:a14="http://schemas.microsoft.com/office/drawing/2010/main" val="0"/>
+                <a14:useLocalDpi xmlns:a14="http://schemas.microsoft.com/office/drawing/2010/main"/>
               </a:ext>
             </a:extLst>
           </a:blip>

--- a/提取数据说明.pptx
+++ b/提取数据说明.pptx
@@ -5148,25 +5148,19 @@
             </a:pPr>
             <a:r>
               <a:rPr lang="zh-CN" altLang="en-US" dirty="0"/>
-              <a:t>若“搜索”时数字不变化，且不出现“分类”进度条，则需要打开任务管理器，关闭</a:t>
-            </a:r>
-            <a:r>
-              <a:rPr lang="en-US" altLang="zh-CN" dirty="0" err="1"/>
-              <a:t>cmd</a:t>
+              <a:t>若“搜索”时数字不变化，且不出现“分类”进度条，是因为文件太多，请耐心等待，</a:t>
+            </a:r>
+            <a:r>
+              <a:rPr lang="zh-CN" altLang="en-US" dirty="0">
+                <a:solidFill>
+                  <a:srgbClr val="FF0000"/>
+                </a:solidFill>
+              </a:rPr>
+              <a:t>不要随意关闭黑框</a:t>
             </a:r>
             <a:r>
               <a:rPr lang="zh-CN" altLang="en-US" dirty="0"/>
-              <a:t>进程，并重新启动程序。这可能是因为在搜索时工位程序又生成了新的文件（无论是否在需要复制的文件夹）。</a:t>
-            </a:r>
-            <a:endParaRPr lang="en-US" altLang="zh-CN" dirty="0"/>
-          </a:p>
-          <a:p>
-            <a:pPr marL="0" indent="0">
-              <a:buNone/>
-            </a:pPr>
-            <a:r>
-              <a:rPr lang="zh-CN" altLang="en-US" dirty="0"/>
-              <a:t>一旦开始分类，再生成新文件则不会导致错误。若想确保无错误，则可以在工人休息时展开工作。</a:t>
+              <a:t>（一般来说也关不掉）。</a:t>
             </a:r>
           </a:p>
         </p:txBody>
@@ -7159,7 +7153,7 @@
         <p:spPr>
           <a:xfrm>
             <a:off x="4727848" y="883392"/>
-            <a:ext cx="6912768" cy="5878532"/>
+            <a:ext cx="6912768" cy="5570756"/>
           </a:xfrm>
           <a:prstGeom prst="rect">
             <a:avLst/>
@@ -7382,39 +7376,7 @@
                   <a:schemeClr val="tx1"/>
                 </a:solidFill>
               </a:rPr>
-              <a:t>是要提取的扩展名，不填的话就是不筛选文件名，填的话会只复制指定类型文件，这个目前只有</a:t>
-            </a:r>
-            <a:r>
-              <a:rPr lang="en-US" altLang="zh-CN" sz="2000" dirty="0">
-                <a:solidFill>
-                  <a:schemeClr val="tx1"/>
-                </a:solidFill>
-              </a:rPr>
-              <a:t>OP510</a:t>
-            </a:r>
-            <a:r>
-              <a:rPr lang="zh-CN" altLang="en-US" sz="2000" dirty="0">
-                <a:solidFill>
-                  <a:schemeClr val="tx1"/>
-                </a:solidFill>
-              </a:rPr>
-              <a:t>用到，扩展名包含点号，列表可以无限加长，不限于</a:t>
-            </a:r>
-            <a:r>
-              <a:rPr lang="en-US" altLang="zh-CN" sz="2000" dirty="0">
-                <a:solidFill>
-                  <a:schemeClr val="tx1"/>
-                </a:solidFill>
-              </a:rPr>
-              <a:t>2</a:t>
-            </a:r>
-            <a:r>
-              <a:rPr lang="zh-CN" altLang="en-US" sz="2000" dirty="0">
-                <a:solidFill>
-                  <a:schemeClr val="tx1"/>
-                </a:solidFill>
-              </a:rPr>
-              <a:t>种</a:t>
+              <a:t>是要提取的扩展名，不填的话就是不筛选文件名，填的话会只复制指定类型文件，扩展名包含点号，列表可以无限加长</a:t>
             </a:r>
             <a:endParaRPr lang="en-US" altLang="zh-CN" sz="2000" dirty="0">
               <a:solidFill>
@@ -7469,15 +7431,47 @@
                   <a:schemeClr val="tx1"/>
                 </a:solidFill>
               </a:rPr>
-              <a:t>盘时文件会自动压缩，但是复制时间变</a:t>
-            </a:r>
-            <a:r>
-              <a:rPr lang="zh-CN" altLang="en-US" sz="2000">
+              <a:t>盘时文件会自动压缩，但是复制时间变长，注意压缩对于图片不能减小体积。启用开关写法：</a:t>
+            </a:r>
+            <a:r>
+              <a:rPr lang="en-US" altLang="zh-CN" sz="2000" dirty="0">
+                <a:solidFill>
+                  <a:srgbClr val="FF0000"/>
+                </a:solidFill>
+              </a:rPr>
+              <a:t>“</a:t>
+            </a:r>
+            <a:r>
+              <a:rPr lang="en-US" altLang="zh-CN" sz="2000" dirty="0" err="1">
+                <a:solidFill>
+                  <a:srgbClr val="FF0000"/>
+                </a:solidFill>
+              </a:rPr>
+              <a:t>gz</a:t>
+            </a:r>
+            <a:r>
+              <a:rPr lang="en-US" altLang="zh-CN" sz="2000" dirty="0">
+                <a:solidFill>
+                  <a:srgbClr val="FF0000"/>
+                </a:solidFill>
+              </a:rPr>
+              <a:t>”: true</a:t>
+            </a:r>
+            <a:r>
+              <a:rPr lang="zh-CN" altLang="en-US" sz="2000" dirty="0">
                 <a:solidFill>
                   <a:schemeClr val="tx1"/>
                 </a:solidFill>
               </a:rPr>
-              <a:t>长，注意压缩</a:t>
+              <a:t>。文件扩展名需要从</a:t>
+            </a:r>
+            <a:r>
+              <a:rPr lang="en-US" altLang="zh-CN" sz="2000" dirty="0">
+                <a:solidFill>
+                  <a:schemeClr val="tx1"/>
+                </a:solidFill>
+              </a:rPr>
+              <a:t>.tar</a:t>
             </a:r>
             <a:r>
               <a:rPr lang="zh-CN" altLang="en-US" sz="2000" dirty="0">
@@ -7485,55 +7479,29 @@
                   <a:schemeClr val="tx1"/>
                 </a:solidFill>
               </a:rPr>
-              <a:t>对于图片不能</a:t>
-            </a:r>
-            <a:r>
-              <a:rPr lang="zh-CN" altLang="en-US" sz="2000">
+              <a:t>改成</a:t>
+            </a:r>
+            <a:r>
+              <a:rPr lang="en-US" altLang="zh-CN" sz="2000" dirty="0">
                 <a:solidFill>
                   <a:schemeClr val="tx1"/>
                 </a:solidFill>
               </a:rPr>
-              <a:t>减小体积。启用开关写法</a:t>
-            </a:r>
-            <a:r>
-              <a:rPr lang="zh-CN" altLang="en-US" sz="2000" dirty="0">
+              <a:t>.</a:t>
+            </a:r>
+            <a:r>
+              <a:rPr lang="en-US" altLang="zh-CN" sz="2000" dirty="0" err="1">
                 <a:solidFill>
                   <a:schemeClr val="tx1"/>
                 </a:solidFill>
               </a:rPr>
-              <a:t>如下：</a:t>
+              <a:t>tgz</a:t>
             </a:r>
             <a:endParaRPr lang="en-US" altLang="zh-CN" sz="2000" dirty="0">
               <a:solidFill>
                 <a:schemeClr val="tx1"/>
               </a:solidFill>
             </a:endParaRPr>
-          </a:p>
-          <a:p>
-            <a:r>
-              <a:rPr lang="en-US" altLang="zh-CN" sz="2000" dirty="0">
-                <a:solidFill>
-                  <a:srgbClr val="FF0000"/>
-                </a:solidFill>
-              </a:rPr>
-              <a:t>"</a:t>
-            </a:r>
-            <a:r>
-              <a:rPr lang="en-US" altLang="zh-CN" sz="2000" dirty="0" err="1">
-                <a:solidFill>
-                  <a:srgbClr val="FF0000"/>
-                </a:solidFill>
-              </a:rPr>
-              <a:t>gz</a:t>
-            </a:r>
-            <a:r>
-              <a:rPr lang="en-US" altLang="zh-CN" sz="2000" dirty="0">
-                <a:solidFill>
-                  <a:srgbClr val="FF0000"/>
-                </a:solidFill>
-              </a:rPr>
-              <a:t>": true,</a:t>
-            </a:r>
           </a:p>
           <a:p>
             <a:r>
@@ -7716,148 +7684,6 @@
       </p:sp>
       <p:sp>
         <p:nvSpPr>
-          <p:cNvPr id="5" name="文本框 4">
-            <a:extLst>
-              <a:ext uri="{FF2B5EF4-FFF2-40B4-BE49-F238E27FC236}">
-                <a16:creationId xmlns:a16="http://schemas.microsoft.com/office/drawing/2014/main" id="{8BDD7F0E-00B4-4DAA-9AF4-E9EB5A3E8A9B}"/>
-              </a:ext>
-            </a:extLst>
-          </p:cNvPr>
-          <p:cNvSpPr txBox="1"/>
-          <p:nvPr/>
-        </p:nvSpPr>
-        <p:spPr>
-          <a:xfrm>
-            <a:off x="3935760" y="980728"/>
-            <a:ext cx="7398466" cy="3416320"/>
-          </a:xfrm>
-          <a:prstGeom prst="rect">
-            <a:avLst/>
-          </a:prstGeom>
-          <a:noFill/>
-        </p:spPr>
-        <p:txBody>
-          <a:bodyPr wrap="square" rtlCol="0">
-            <a:spAutoFit/>
-          </a:bodyPr>
-          <a:lstStyle/>
-          <a:p>
-            <a:r>
-              <a:rPr lang="zh-CN" altLang="en-US" sz="2400" dirty="0">
-                <a:solidFill>
-                  <a:schemeClr val="tx1"/>
-                </a:solidFill>
-              </a:rPr>
-              <a:t>有个叫 </a:t>
-            </a:r>
-            <a:r>
-              <a:rPr lang="en-US" altLang="zh-CN" sz="2400" dirty="0" err="1">
-                <a:solidFill>
-                  <a:schemeClr val="tx1"/>
-                </a:solidFill>
-              </a:rPr>
-              <a:t>time_range.json</a:t>
-            </a:r>
-            <a:r>
-              <a:rPr lang="zh-CN" altLang="en-US" sz="2400" dirty="0">
-                <a:solidFill>
-                  <a:schemeClr val="tx1"/>
-                </a:solidFill>
-              </a:rPr>
-              <a:t>的文件，内容如下：</a:t>
-            </a:r>
-            <a:endParaRPr lang="en-US" altLang="zh-CN" sz="2400" dirty="0">
-              <a:solidFill>
-                <a:schemeClr val="tx1"/>
-              </a:solidFill>
-            </a:endParaRPr>
-          </a:p>
-          <a:p>
-            <a:r>
-              <a:rPr lang="en-US" altLang="zh-CN" sz="2400" dirty="0">
-                <a:solidFill>
-                  <a:schemeClr val="tx1"/>
-                </a:solidFill>
-              </a:rPr>
-              <a:t>{ "</a:t>
-            </a:r>
-            <a:r>
-              <a:rPr lang="en-US" altLang="zh-CN" sz="2400" dirty="0" err="1">
-                <a:solidFill>
-                  <a:schemeClr val="tx1"/>
-                </a:solidFill>
-              </a:rPr>
-              <a:t>time_range</a:t>
-            </a:r>
-            <a:r>
-              <a:rPr lang="en-US" altLang="zh-CN" sz="2400" dirty="0">
-                <a:solidFill>
-                  <a:schemeClr val="tx1"/>
-                </a:solidFill>
-              </a:rPr>
-              <a:t>": ["2020-08-24 08:00:00", "2020-08-25 23:00:00"] }</a:t>
-            </a:r>
-          </a:p>
-          <a:p>
-            <a:r>
-              <a:rPr lang="zh-CN" altLang="en-US" sz="2400" dirty="0">
-                <a:solidFill>
-                  <a:schemeClr val="tx1"/>
-                </a:solidFill>
-              </a:rPr>
-              <a:t>如果这个文件里指定了时间，且之前提到的文件里没有写时间，如上图，那么会按照</a:t>
-            </a:r>
-            <a:r>
-              <a:rPr lang="en-US" altLang="zh-CN" sz="2400" dirty="0" err="1">
-                <a:solidFill>
-                  <a:schemeClr val="tx1"/>
-                </a:solidFill>
-              </a:rPr>
-              <a:t>time_range.json</a:t>
-            </a:r>
-            <a:r>
-              <a:rPr lang="zh-CN" altLang="en-US" sz="2400" dirty="0">
-                <a:solidFill>
-                  <a:schemeClr val="tx1"/>
-                </a:solidFill>
-              </a:rPr>
-              <a:t>里填的时间，筛选需要提取的数据</a:t>
-            </a:r>
-            <a:endParaRPr lang="en-US" altLang="zh-CN" sz="2400" dirty="0">
-              <a:solidFill>
-                <a:schemeClr val="tx1"/>
-              </a:solidFill>
-            </a:endParaRPr>
-          </a:p>
-          <a:p>
-            <a:r>
-              <a:rPr lang="zh-CN" altLang="en-US" sz="2400" dirty="0">
-                <a:solidFill>
-                  <a:schemeClr val="tx1"/>
-                </a:solidFill>
-              </a:rPr>
-              <a:t>如下图这样填了时间的，以本文件为准</a:t>
-            </a:r>
-            <a:endParaRPr lang="en-US" altLang="zh-CN" sz="2400" dirty="0">
-              <a:solidFill>
-                <a:schemeClr val="tx1"/>
-              </a:solidFill>
-            </a:endParaRPr>
-          </a:p>
-          <a:p>
-            <a:r>
-              <a:rPr lang="zh-CN" altLang="en-US" sz="2400" dirty="0">
-                <a:solidFill>
-                  <a:schemeClr val="tx1"/>
-                </a:solidFill>
-              </a:rPr>
-              <a:t>两边都不填的话，会默认选择运行程序的当天零时到运行程序时的时间段</a:t>
-            </a:r>
-          </a:p>
-        </p:txBody>
-      </p:sp>
-      <p:sp>
-        <p:nvSpPr>
           <p:cNvPr id="3" name="文本框 2">
             <a:extLst>
               <a:ext uri="{FF2B5EF4-FFF2-40B4-BE49-F238E27FC236}">
@@ -7877,6 +7703,11 @@
             <a:avLst/>
           </a:prstGeom>
           <a:noFill/>
+          <a:ln>
+            <a:solidFill>
+              <a:schemeClr val="tx1"/>
+            </a:solidFill>
+          </a:ln>
         </p:spPr>
         <p:txBody>
           <a:bodyPr wrap="none" rtlCol="0">
@@ -8064,13 +7895,18 @@
         </p:nvSpPr>
         <p:spPr>
           <a:xfrm>
-            <a:off x="296052" y="3429000"/>
+            <a:off x="211969" y="3965492"/>
             <a:ext cx="7055136" cy="2554545"/>
           </a:xfrm>
           <a:prstGeom prst="rect">
             <a:avLst/>
           </a:prstGeom>
           <a:noFill/>
+          <a:ln>
+            <a:solidFill>
+              <a:schemeClr val="tx1"/>
+            </a:solidFill>
+          </a:ln>
         </p:spPr>
         <p:txBody>
           <a:bodyPr wrap="none" rtlCol="0">
@@ -8241,6 +8077,182 @@
                 <a:srgbClr val="FF0000"/>
               </a:solidFill>
             </a:endParaRPr>
+          </a:p>
+        </p:txBody>
+      </p:sp>
+      <p:sp>
+        <p:nvSpPr>
+          <p:cNvPr id="5" name="文本框 4">
+            <a:extLst>
+              <a:ext uri="{FF2B5EF4-FFF2-40B4-BE49-F238E27FC236}">
+                <a16:creationId xmlns:a16="http://schemas.microsoft.com/office/drawing/2014/main" id="{8BDD7F0E-00B4-4DAA-9AF4-E9EB5A3E8A9B}"/>
+              </a:ext>
+            </a:extLst>
+          </p:cNvPr>
+          <p:cNvSpPr txBox="1"/>
+          <p:nvPr/>
+        </p:nvSpPr>
+        <p:spPr>
+          <a:xfrm>
+            <a:off x="3955334" y="905914"/>
+            <a:ext cx="7398466" cy="3046988"/>
+          </a:xfrm>
+          <a:prstGeom prst="rect">
+            <a:avLst/>
+          </a:prstGeom>
+          <a:solidFill>
+            <a:schemeClr val="bg1"/>
+          </a:solidFill>
+        </p:spPr>
+        <p:txBody>
+          <a:bodyPr wrap="square" rtlCol="0">
+            <a:spAutoFit/>
+          </a:bodyPr>
+          <a:lstStyle/>
+          <a:p>
+            <a:r>
+              <a:rPr lang="zh-CN" altLang="en-US" sz="2400" dirty="0">
+                <a:solidFill>
+                  <a:schemeClr val="tx1"/>
+                </a:solidFill>
+              </a:rPr>
+              <a:t>有个叫 </a:t>
+            </a:r>
+            <a:r>
+              <a:rPr lang="en-US" altLang="zh-CN" sz="2400" dirty="0" err="1">
+                <a:solidFill>
+                  <a:schemeClr val="tx1"/>
+                </a:solidFill>
+              </a:rPr>
+              <a:t>time_range.json</a:t>
+            </a:r>
+            <a:r>
+              <a:rPr lang="zh-CN" altLang="en-US" sz="2400" dirty="0">
+                <a:solidFill>
+                  <a:schemeClr val="tx1"/>
+                </a:solidFill>
+              </a:rPr>
+              <a:t>的文件，内容如下：</a:t>
+            </a:r>
+            <a:endParaRPr lang="en-US" altLang="zh-CN" sz="2400" dirty="0">
+              <a:solidFill>
+                <a:schemeClr val="tx1"/>
+              </a:solidFill>
+            </a:endParaRPr>
+          </a:p>
+          <a:p>
+            <a:r>
+              <a:rPr lang="en-US" altLang="zh-CN" sz="2400" dirty="0">
+                <a:solidFill>
+                  <a:schemeClr val="tx1"/>
+                </a:solidFill>
+              </a:rPr>
+              <a:t>{ "</a:t>
+            </a:r>
+            <a:r>
+              <a:rPr lang="en-US" altLang="zh-CN" sz="2400" dirty="0" err="1">
+                <a:solidFill>
+                  <a:schemeClr val="tx1"/>
+                </a:solidFill>
+              </a:rPr>
+              <a:t>time_range</a:t>
+            </a:r>
+            <a:r>
+              <a:rPr lang="en-US" altLang="zh-CN" sz="2400" dirty="0">
+                <a:solidFill>
+                  <a:schemeClr val="tx1"/>
+                </a:solidFill>
+              </a:rPr>
+              <a:t>": ["2020-08-24 08:00:00", "2020-08-25 23:00:00"] }</a:t>
+            </a:r>
+          </a:p>
+          <a:p>
+            <a:r>
+              <a:rPr lang="zh-CN" altLang="en-US" sz="2400" dirty="0">
+                <a:solidFill>
+                  <a:schemeClr val="tx1"/>
+                </a:solidFill>
+              </a:rPr>
+              <a:t>如下图分文件填了时间的，按照自己填的时间算。</a:t>
+            </a:r>
+            <a:endParaRPr lang="en-US" altLang="zh-CN" sz="2400" dirty="0">
+              <a:solidFill>
+                <a:schemeClr val="tx1"/>
+              </a:solidFill>
+            </a:endParaRPr>
+          </a:p>
+          <a:p>
+            <a:r>
+              <a:rPr lang="zh-CN" altLang="en-US" sz="2400" dirty="0">
+                <a:solidFill>
+                  <a:schemeClr val="tx1"/>
+                </a:solidFill>
+              </a:rPr>
+              <a:t>如上图分文件不填时间的，会按照</a:t>
+            </a:r>
+            <a:r>
+              <a:rPr lang="en-US" altLang="zh-CN" sz="2400" dirty="0" err="1">
+                <a:solidFill>
+                  <a:schemeClr val="tx1"/>
+                </a:solidFill>
+              </a:rPr>
+              <a:t>time_range.json</a:t>
+            </a:r>
+            <a:r>
+              <a:rPr lang="zh-CN" altLang="en-US" sz="2400" dirty="0">
+                <a:solidFill>
+                  <a:schemeClr val="tx1"/>
+                </a:solidFill>
+              </a:rPr>
+              <a:t>里填的时间算。</a:t>
+            </a:r>
+            <a:endParaRPr lang="en-US" altLang="zh-CN" sz="2400" dirty="0">
+              <a:solidFill>
+                <a:schemeClr val="tx1"/>
+              </a:solidFill>
+            </a:endParaRPr>
+          </a:p>
+          <a:p>
+            <a:r>
+              <a:rPr lang="zh-CN" altLang="en-US" sz="2400" dirty="0">
+                <a:solidFill>
+                  <a:schemeClr val="tx1"/>
+                </a:solidFill>
+              </a:rPr>
+              <a:t>若删除</a:t>
+            </a:r>
+            <a:r>
+              <a:rPr lang="en-US" altLang="zh-CN" sz="2400" dirty="0" err="1">
+                <a:solidFill>
+                  <a:schemeClr val="tx1"/>
+                </a:solidFill>
+              </a:rPr>
+              <a:t>time_range.json</a:t>
+            </a:r>
+            <a:r>
+              <a:rPr lang="zh-CN" altLang="en-US" sz="2400" dirty="0">
+                <a:solidFill>
+                  <a:schemeClr val="tx1"/>
+                </a:solidFill>
+              </a:rPr>
+              <a:t>，或</a:t>
+            </a:r>
+            <a:r>
+              <a:rPr lang="en-US" altLang="zh-CN" sz="2400" dirty="0" err="1">
+                <a:solidFill>
+                  <a:schemeClr val="tx1"/>
+                </a:solidFill>
+              </a:rPr>
+              <a:t>time_range.json</a:t>
+            </a:r>
+            <a:r>
+              <a:rPr lang="zh-CN" altLang="en-US" sz="2400" dirty="0">
+                <a:solidFill>
+                  <a:schemeClr val="tx1"/>
+                </a:solidFill>
+              </a:rPr>
+              <a:t>也不填，并且分文件里没有指定时间，会选择所有数据</a:t>
+            </a:r>
           </a:p>
         </p:txBody>
       </p:sp>
